--- a/Team07.pptx
+++ b/Team07.pptx
@@ -33,7 +33,7 @@
   <p:notesSz cx="6858000" cy="9144000"/>
   <p:embeddedFontLst>
     <p:embeddedFont>
-      <p:font typeface="Raleway" panose="020B0604020202020204" charset="0"/>
+      <p:font typeface="Lato" panose="020F0502020204030203" pitchFamily="34" charset="0"/>
       <p:regular r:id="rId23"/>
       <p:bold r:id="rId24"/>
       <p:italic r:id="rId25"/>
@@ -47,14 +47,14 @@
       <p:boldItalic r:id="rId30"/>
     </p:embeddedFont>
     <p:embeddedFont>
-      <p:font typeface="Verdana" panose="020B0604030504040204" pitchFamily="34" charset="0"/>
+      <p:font typeface="Raleway" panose="020B0604020202020204" charset="0"/>
       <p:regular r:id="rId31"/>
       <p:bold r:id="rId32"/>
       <p:italic r:id="rId33"/>
       <p:boldItalic r:id="rId34"/>
     </p:embeddedFont>
     <p:embeddedFont>
-      <p:font typeface="Lato" panose="020F0502020204030203" pitchFamily="34" charset="0"/>
+      <p:font typeface="Verdana" panose="020B0604030504040204" pitchFamily="34" charset="0"/>
       <p:regular r:id="rId35"/>
       <p:bold r:id="rId36"/>
       <p:italic r:id="rId37"/>
@@ -9424,10 +9424,70 @@
               <a:buNone/>
             </a:pPr>
             <a:r>
-              <a:rPr lang="en"/>
-              <a:t>Presented by Team 07</a:t>
+              <a:rPr lang="en" dirty="0" smtClean="0"/>
+              <a:t>Sreelekha Vijaya</a:t>
             </a:r>
-            <a:endParaRPr/>
+          </a:p>
+          <a:p>
+            <a:pPr marL="0" lvl="0" indent="0" algn="l" rtl="0">
+              <a:spcBef>
+                <a:spcPts val="0"/>
+              </a:spcBef>
+              <a:spcAft>
+                <a:spcPts val="0"/>
+              </a:spcAft>
+              <a:buNone/>
+            </a:pPr>
+            <a:r>
+              <a:rPr lang="en" dirty="0" smtClean="0"/>
+              <a:t>Shivani Reddy Dodla</a:t>
+            </a:r>
+          </a:p>
+          <a:p>
+            <a:pPr marL="0" lvl="0" indent="0" algn="l" rtl="0">
+              <a:spcBef>
+                <a:spcPts val="0"/>
+              </a:spcBef>
+              <a:spcAft>
+                <a:spcPts val="0"/>
+              </a:spcAft>
+              <a:buNone/>
+            </a:pPr>
+            <a:r>
+              <a:rPr lang="en" dirty="0" smtClean="0"/>
+              <a:t>Sai Rakesh Avirineni</a:t>
+            </a:r>
+          </a:p>
+          <a:p>
+            <a:pPr marL="0" lvl="0" indent="0" algn="l" rtl="0">
+              <a:spcBef>
+                <a:spcPts val="0"/>
+              </a:spcBef>
+              <a:spcAft>
+                <a:spcPts val="0"/>
+              </a:spcAft>
+              <a:buNone/>
+            </a:pPr>
+            <a:r>
+              <a:rPr lang="en" dirty="0" smtClean="0"/>
+              <a:t>Lokeswari Pittu</a:t>
+            </a:r>
+          </a:p>
+          <a:p>
+            <a:pPr marL="0" lvl="0" indent="0" algn="l" rtl="0">
+              <a:spcBef>
+                <a:spcPts val="0"/>
+              </a:spcBef>
+              <a:spcAft>
+                <a:spcPts val="0"/>
+              </a:spcAft>
+              <a:buNone/>
+            </a:pPr>
+            <a:r>
+              <a:rPr lang="en" dirty="0" smtClean="0"/>
+              <a:t>Abhinay Reddy Kaitha</a:t>
+            </a:r>
+            <a:endParaRPr dirty="0"/>
           </a:p>
         </p:txBody>
       </p:sp>
